--- a/doc/13_外部設計/famiLink デザイン.pptx
+++ b/doc/13_外部設計/famiLink デザイン.pptx
@@ -112,6 +112,11 @@
       </a:defRPr>
     </a:lvl9pPr>
   </p:defaultTextStyle>
+  <p:extLst>
+    <p:ext uri="{EFAFB233-063F-42B5-8137-9DF3F51BA10A}">
+      <p15:sldGuideLst xmlns:p15="http://schemas.microsoft.com/office/powerpoint/2012/main"/>
+    </p:ext>
+  </p:extLst>
 </p:presentation>
 </file>
 
@@ -3308,10 +3313,7 @@
               </a:avLst>
             </a:prstGeom>
             <a:solidFill>
-              <a:schemeClr val="tx1">
-                <a:lumMod val="65000"/>
-                <a:lumOff val="35000"/>
-              </a:schemeClr>
+              <a:srgbClr val="001746"/>
             </a:solidFill>
             <a:ln>
               <a:noFill/>
